--- a/ppt 16-9/1342.等候耶和华.pptx
+++ b/ppt 16-9/1342.等候耶和华.pptx
@@ -5,7 +5,7 @@
     <p:sldMasterId id="2147483648" r:id="rId1"/>
   </p:sldMasterIdLst>
   <p:sldIdLst>
-    <p:sldId id="900" r:id="rId2"/>
+    <p:sldId id="902" r:id="rId2"/>
   </p:sldIdLst>
   <p:sldSz cx="12192000" cy="6858000"/>
   <p:notesSz cx="6858000" cy="9144000"/>
@@ -129,7 +129,7 @@
           <p:cNvPr id="2" name="标题 1">
             <a:extLst>
               <a:ext uri="{FF2B5EF4-FFF2-40B4-BE49-F238E27FC236}">
-                <a16:creationId xmlns:a16="http://schemas.microsoft.com/office/drawing/2014/main" id="{D22C8DDB-942F-D0BA-12EA-DC3D6DFE0348}"/>
+                <a16:creationId xmlns:a16="http://schemas.microsoft.com/office/drawing/2014/main" id="{007834E7-EC01-3B4B-1A39-CFA6B843906F}"/>
               </a:ext>
             </a:extLst>
           </p:cNvPr>
@@ -166,7 +166,7 @@
           <p:cNvPr id="3" name="副标题 2">
             <a:extLst>
               <a:ext uri="{FF2B5EF4-FFF2-40B4-BE49-F238E27FC236}">
-                <a16:creationId xmlns:a16="http://schemas.microsoft.com/office/drawing/2014/main" id="{55F9CF25-A1AB-CF06-86C8-05E3183A6C01}"/>
+                <a16:creationId xmlns:a16="http://schemas.microsoft.com/office/drawing/2014/main" id="{49C2F94D-0705-7C59-BF22-3C94482CD1CC}"/>
               </a:ext>
             </a:extLst>
           </p:cNvPr>
@@ -236,7 +236,7 @@
           <p:cNvPr id="4" name="日期占位符 3">
             <a:extLst>
               <a:ext uri="{FF2B5EF4-FFF2-40B4-BE49-F238E27FC236}">
-                <a16:creationId xmlns:a16="http://schemas.microsoft.com/office/drawing/2014/main" id="{25A09B36-BC81-60E9-C5EE-A85E265887EF}"/>
+                <a16:creationId xmlns:a16="http://schemas.microsoft.com/office/drawing/2014/main" id="{4AC10856-B817-BFF1-E923-7CBA36ED3071}"/>
               </a:ext>
             </a:extLst>
           </p:cNvPr>
@@ -252,7 +252,7 @@
           <a:bodyPr/>
           <a:lstStyle/>
           <a:p>
-            <a:fld id="{49D37584-741B-49C8-B77B-5DF05F9C12F3}" type="datetimeFigureOut">
+            <a:fld id="{E74788FF-4DA5-406F-9266-FD56484BD586}" type="datetimeFigureOut">
               <a:rPr lang="zh-CN" altLang="en-US" smtClean="0"/>
               <a:t>2024/3/10</a:t>
             </a:fld>
@@ -265,7 +265,7 @@
           <p:cNvPr id="5" name="页脚占位符 4">
             <a:extLst>
               <a:ext uri="{FF2B5EF4-FFF2-40B4-BE49-F238E27FC236}">
-                <a16:creationId xmlns:a16="http://schemas.microsoft.com/office/drawing/2014/main" id="{F9FE6CAB-6C96-3F47-215F-2D13CFBB1188}"/>
+                <a16:creationId xmlns:a16="http://schemas.microsoft.com/office/drawing/2014/main" id="{31312519-8207-9D3D-3E8A-B455629178FB}"/>
               </a:ext>
             </a:extLst>
           </p:cNvPr>
@@ -290,7 +290,7 @@
           <p:cNvPr id="6" name="灯片编号占位符 5">
             <a:extLst>
               <a:ext uri="{FF2B5EF4-FFF2-40B4-BE49-F238E27FC236}">
-                <a16:creationId xmlns:a16="http://schemas.microsoft.com/office/drawing/2014/main" id="{FA87A96F-43EA-6850-E619-C00DEEC84EBA}"/>
+                <a16:creationId xmlns:a16="http://schemas.microsoft.com/office/drawing/2014/main" id="{52B734BB-0837-14DB-368E-01039037BFF9}"/>
               </a:ext>
             </a:extLst>
           </p:cNvPr>
@@ -306,7 +306,7 @@
           <a:bodyPr/>
           <a:lstStyle/>
           <a:p>
-            <a:fld id="{BFA1C3C5-F9C0-488F-BFA9-2D79DABFA7C6}" type="slidenum">
+            <a:fld id="{65BDC682-14F5-4ABF-B36B-CF4A9D21EB37}" type="slidenum">
               <a:rPr lang="zh-CN" altLang="en-US" smtClean="0"/>
               <a:t>‹#›</a:t>
             </a:fld>
@@ -317,7 +317,7 @@
     </p:spTree>
     <p:extLst>
       <p:ext uri="{BB962C8B-B14F-4D97-AF65-F5344CB8AC3E}">
-        <p14:creationId xmlns:p14="http://schemas.microsoft.com/office/powerpoint/2010/main" val="3267644084"/>
+        <p14:creationId xmlns:p14="http://schemas.microsoft.com/office/powerpoint/2010/main" val="3452095672"/>
       </p:ext>
     </p:extLst>
   </p:cSld>
@@ -349,7 +349,7 @@
           <p:cNvPr id="2" name="标题 1">
             <a:extLst>
               <a:ext uri="{FF2B5EF4-FFF2-40B4-BE49-F238E27FC236}">
-                <a16:creationId xmlns:a16="http://schemas.microsoft.com/office/drawing/2014/main" id="{E59FA427-93A0-7C78-7B5D-3B7C56C986B4}"/>
+                <a16:creationId xmlns:a16="http://schemas.microsoft.com/office/drawing/2014/main" id="{B0B62BFD-2189-D8EE-62DF-C2382BA0E92B}"/>
               </a:ext>
             </a:extLst>
           </p:cNvPr>
@@ -377,7 +377,7 @@
           <p:cNvPr id="3" name="竖排文字占位符 2">
             <a:extLst>
               <a:ext uri="{FF2B5EF4-FFF2-40B4-BE49-F238E27FC236}">
-                <a16:creationId xmlns:a16="http://schemas.microsoft.com/office/drawing/2014/main" id="{E03A8D6B-3DDB-08A9-9E9E-554C8B7B1986}"/>
+                <a16:creationId xmlns:a16="http://schemas.microsoft.com/office/drawing/2014/main" id="{921141A1-64A3-FBFD-1B08-CE231F8AB979}"/>
               </a:ext>
             </a:extLst>
           </p:cNvPr>
@@ -434,7 +434,7 @@
           <p:cNvPr id="4" name="日期占位符 3">
             <a:extLst>
               <a:ext uri="{FF2B5EF4-FFF2-40B4-BE49-F238E27FC236}">
-                <a16:creationId xmlns:a16="http://schemas.microsoft.com/office/drawing/2014/main" id="{B863291B-2012-95D6-26F9-0D8E17D21CDA}"/>
+                <a16:creationId xmlns:a16="http://schemas.microsoft.com/office/drawing/2014/main" id="{9B3BF13B-CFB2-29FC-FC7A-28CF9F180318}"/>
               </a:ext>
             </a:extLst>
           </p:cNvPr>
@@ -450,7 +450,7 @@
           <a:bodyPr/>
           <a:lstStyle/>
           <a:p>
-            <a:fld id="{49D37584-741B-49C8-B77B-5DF05F9C12F3}" type="datetimeFigureOut">
+            <a:fld id="{E74788FF-4DA5-406F-9266-FD56484BD586}" type="datetimeFigureOut">
               <a:rPr lang="zh-CN" altLang="en-US" smtClean="0"/>
               <a:t>2024/3/10</a:t>
             </a:fld>
@@ -463,7 +463,7 @@
           <p:cNvPr id="5" name="页脚占位符 4">
             <a:extLst>
               <a:ext uri="{FF2B5EF4-FFF2-40B4-BE49-F238E27FC236}">
-                <a16:creationId xmlns:a16="http://schemas.microsoft.com/office/drawing/2014/main" id="{D3624820-A1F8-1626-7A5C-7305F29ECD57}"/>
+                <a16:creationId xmlns:a16="http://schemas.microsoft.com/office/drawing/2014/main" id="{55D043E8-0167-5B94-931A-435CCFDB441E}"/>
               </a:ext>
             </a:extLst>
           </p:cNvPr>
@@ -488,7 +488,7 @@
           <p:cNvPr id="6" name="灯片编号占位符 5">
             <a:extLst>
               <a:ext uri="{FF2B5EF4-FFF2-40B4-BE49-F238E27FC236}">
-                <a16:creationId xmlns:a16="http://schemas.microsoft.com/office/drawing/2014/main" id="{15144A79-3322-B94B-9542-2C7DC8E81AB7}"/>
+                <a16:creationId xmlns:a16="http://schemas.microsoft.com/office/drawing/2014/main" id="{F8D3DD32-0124-2B4D-93BC-DD736B691A16}"/>
               </a:ext>
             </a:extLst>
           </p:cNvPr>
@@ -504,7 +504,7 @@
           <a:bodyPr/>
           <a:lstStyle/>
           <a:p>
-            <a:fld id="{BFA1C3C5-F9C0-488F-BFA9-2D79DABFA7C6}" type="slidenum">
+            <a:fld id="{65BDC682-14F5-4ABF-B36B-CF4A9D21EB37}" type="slidenum">
               <a:rPr lang="zh-CN" altLang="en-US" smtClean="0"/>
               <a:t>‹#›</a:t>
             </a:fld>
@@ -515,7 +515,7 @@
     </p:spTree>
     <p:extLst>
       <p:ext uri="{BB962C8B-B14F-4D97-AF65-F5344CB8AC3E}">
-        <p14:creationId xmlns:p14="http://schemas.microsoft.com/office/powerpoint/2010/main" val="3023448257"/>
+        <p14:creationId xmlns:p14="http://schemas.microsoft.com/office/powerpoint/2010/main" val="616144536"/>
       </p:ext>
     </p:extLst>
   </p:cSld>
@@ -547,7 +547,7 @@
           <p:cNvPr id="2" name="竖排标题 1">
             <a:extLst>
               <a:ext uri="{FF2B5EF4-FFF2-40B4-BE49-F238E27FC236}">
-                <a16:creationId xmlns:a16="http://schemas.microsoft.com/office/drawing/2014/main" id="{ED91A245-951C-C055-AD3A-B133B5BB313C}"/>
+                <a16:creationId xmlns:a16="http://schemas.microsoft.com/office/drawing/2014/main" id="{7DC2F938-EC9A-19D3-A43E-82C9FE06708C}"/>
               </a:ext>
             </a:extLst>
           </p:cNvPr>
@@ -580,7 +580,7 @@
           <p:cNvPr id="3" name="竖排文字占位符 2">
             <a:extLst>
               <a:ext uri="{FF2B5EF4-FFF2-40B4-BE49-F238E27FC236}">
-                <a16:creationId xmlns:a16="http://schemas.microsoft.com/office/drawing/2014/main" id="{2990F2D5-17F2-1407-81E2-266C920F4830}"/>
+                <a16:creationId xmlns:a16="http://schemas.microsoft.com/office/drawing/2014/main" id="{DDD7CD90-1AE0-DDD2-55FF-FCA97C35458A}"/>
               </a:ext>
             </a:extLst>
           </p:cNvPr>
@@ -642,7 +642,7 @@
           <p:cNvPr id="4" name="日期占位符 3">
             <a:extLst>
               <a:ext uri="{FF2B5EF4-FFF2-40B4-BE49-F238E27FC236}">
-                <a16:creationId xmlns:a16="http://schemas.microsoft.com/office/drawing/2014/main" id="{0194D0E6-51E0-8833-2B27-F07D827E2D1F}"/>
+                <a16:creationId xmlns:a16="http://schemas.microsoft.com/office/drawing/2014/main" id="{CE4379DE-F299-285D-C944-AEE34B0ED4C3}"/>
               </a:ext>
             </a:extLst>
           </p:cNvPr>
@@ -658,7 +658,7 @@
           <a:bodyPr/>
           <a:lstStyle/>
           <a:p>
-            <a:fld id="{49D37584-741B-49C8-B77B-5DF05F9C12F3}" type="datetimeFigureOut">
+            <a:fld id="{E74788FF-4DA5-406F-9266-FD56484BD586}" type="datetimeFigureOut">
               <a:rPr lang="zh-CN" altLang="en-US" smtClean="0"/>
               <a:t>2024/3/10</a:t>
             </a:fld>
@@ -671,7 +671,7 @@
           <p:cNvPr id="5" name="页脚占位符 4">
             <a:extLst>
               <a:ext uri="{FF2B5EF4-FFF2-40B4-BE49-F238E27FC236}">
-                <a16:creationId xmlns:a16="http://schemas.microsoft.com/office/drawing/2014/main" id="{12C38C70-7D6A-D523-2E7D-0E91D876842B}"/>
+                <a16:creationId xmlns:a16="http://schemas.microsoft.com/office/drawing/2014/main" id="{4A920340-A5C9-EF47-D9E2-78A8F7211274}"/>
               </a:ext>
             </a:extLst>
           </p:cNvPr>
@@ -696,7 +696,7 @@
           <p:cNvPr id="6" name="灯片编号占位符 5">
             <a:extLst>
               <a:ext uri="{FF2B5EF4-FFF2-40B4-BE49-F238E27FC236}">
-                <a16:creationId xmlns:a16="http://schemas.microsoft.com/office/drawing/2014/main" id="{7DA5651E-C9FC-6F4D-4FB7-2FA9E33EB557}"/>
+                <a16:creationId xmlns:a16="http://schemas.microsoft.com/office/drawing/2014/main" id="{03C4EEE1-B53D-BFD1-6004-D7D02CFC309C}"/>
               </a:ext>
             </a:extLst>
           </p:cNvPr>
@@ -712,7 +712,7 @@
           <a:bodyPr/>
           <a:lstStyle/>
           <a:p>
-            <a:fld id="{BFA1C3C5-F9C0-488F-BFA9-2D79DABFA7C6}" type="slidenum">
+            <a:fld id="{65BDC682-14F5-4ABF-B36B-CF4A9D21EB37}" type="slidenum">
               <a:rPr lang="zh-CN" altLang="en-US" smtClean="0"/>
               <a:t>‹#›</a:t>
             </a:fld>
@@ -723,7 +723,7 @@
     </p:spTree>
     <p:extLst>
       <p:ext uri="{BB962C8B-B14F-4D97-AF65-F5344CB8AC3E}">
-        <p14:creationId xmlns:p14="http://schemas.microsoft.com/office/powerpoint/2010/main" val="364160580"/>
+        <p14:creationId xmlns:p14="http://schemas.microsoft.com/office/powerpoint/2010/main" val="3436783554"/>
       </p:ext>
     </p:extLst>
   </p:cSld>
@@ -755,7 +755,7 @@
           <p:cNvPr id="2" name="标题 1">
             <a:extLst>
               <a:ext uri="{FF2B5EF4-FFF2-40B4-BE49-F238E27FC236}">
-                <a16:creationId xmlns:a16="http://schemas.microsoft.com/office/drawing/2014/main" id="{EFE33F7C-A05C-F96B-E647-BB7A4940B132}"/>
+                <a16:creationId xmlns:a16="http://schemas.microsoft.com/office/drawing/2014/main" id="{0276DE50-9B57-DFC0-2D86-5AD4A02601F3}"/>
               </a:ext>
             </a:extLst>
           </p:cNvPr>
@@ -783,7 +783,7 @@
           <p:cNvPr id="3" name="内容占位符 2">
             <a:extLst>
               <a:ext uri="{FF2B5EF4-FFF2-40B4-BE49-F238E27FC236}">
-                <a16:creationId xmlns:a16="http://schemas.microsoft.com/office/drawing/2014/main" id="{731D5BDD-5A01-5AB2-E927-F353E579551C}"/>
+                <a16:creationId xmlns:a16="http://schemas.microsoft.com/office/drawing/2014/main" id="{8C140F05-1DD7-0819-6CA5-733FD4464AEE}"/>
               </a:ext>
             </a:extLst>
           </p:cNvPr>
@@ -840,7 +840,7 @@
           <p:cNvPr id="4" name="日期占位符 3">
             <a:extLst>
               <a:ext uri="{FF2B5EF4-FFF2-40B4-BE49-F238E27FC236}">
-                <a16:creationId xmlns:a16="http://schemas.microsoft.com/office/drawing/2014/main" id="{2796139B-29EB-8887-1FF8-5379F5E3A44F}"/>
+                <a16:creationId xmlns:a16="http://schemas.microsoft.com/office/drawing/2014/main" id="{C32D3348-6BE8-69B6-E4CC-4FA5AFA51F95}"/>
               </a:ext>
             </a:extLst>
           </p:cNvPr>
@@ -856,7 +856,7 @@
           <a:bodyPr/>
           <a:lstStyle/>
           <a:p>
-            <a:fld id="{49D37584-741B-49C8-B77B-5DF05F9C12F3}" type="datetimeFigureOut">
+            <a:fld id="{E74788FF-4DA5-406F-9266-FD56484BD586}" type="datetimeFigureOut">
               <a:rPr lang="zh-CN" altLang="en-US" smtClean="0"/>
               <a:t>2024/3/10</a:t>
             </a:fld>
@@ -869,7 +869,7 @@
           <p:cNvPr id="5" name="页脚占位符 4">
             <a:extLst>
               <a:ext uri="{FF2B5EF4-FFF2-40B4-BE49-F238E27FC236}">
-                <a16:creationId xmlns:a16="http://schemas.microsoft.com/office/drawing/2014/main" id="{573FEFCE-9CDE-F30A-9C7A-883903E68D01}"/>
+                <a16:creationId xmlns:a16="http://schemas.microsoft.com/office/drawing/2014/main" id="{9013A6DD-D511-512E-9A1B-5AC6154EC3E4}"/>
               </a:ext>
             </a:extLst>
           </p:cNvPr>
@@ -894,7 +894,7 @@
           <p:cNvPr id="6" name="灯片编号占位符 5">
             <a:extLst>
               <a:ext uri="{FF2B5EF4-FFF2-40B4-BE49-F238E27FC236}">
-                <a16:creationId xmlns:a16="http://schemas.microsoft.com/office/drawing/2014/main" id="{B1C495AB-A0B3-80C1-1DA7-346953041872}"/>
+                <a16:creationId xmlns:a16="http://schemas.microsoft.com/office/drawing/2014/main" id="{E028BAF8-9568-DDEF-4BA1-318294B815ED}"/>
               </a:ext>
             </a:extLst>
           </p:cNvPr>
@@ -910,7 +910,7 @@
           <a:bodyPr/>
           <a:lstStyle/>
           <a:p>
-            <a:fld id="{BFA1C3C5-F9C0-488F-BFA9-2D79DABFA7C6}" type="slidenum">
+            <a:fld id="{65BDC682-14F5-4ABF-B36B-CF4A9D21EB37}" type="slidenum">
               <a:rPr lang="zh-CN" altLang="en-US" smtClean="0"/>
               <a:t>‹#›</a:t>
             </a:fld>
@@ -921,7 +921,7 @@
     </p:spTree>
     <p:extLst>
       <p:ext uri="{BB962C8B-B14F-4D97-AF65-F5344CB8AC3E}">
-        <p14:creationId xmlns:p14="http://schemas.microsoft.com/office/powerpoint/2010/main" val="189936396"/>
+        <p14:creationId xmlns:p14="http://schemas.microsoft.com/office/powerpoint/2010/main" val="2722801029"/>
       </p:ext>
     </p:extLst>
   </p:cSld>
@@ -953,7 +953,7 @@
           <p:cNvPr id="2" name="标题 1">
             <a:extLst>
               <a:ext uri="{FF2B5EF4-FFF2-40B4-BE49-F238E27FC236}">
-                <a16:creationId xmlns:a16="http://schemas.microsoft.com/office/drawing/2014/main" id="{A6C92854-F2C4-536B-A2C2-5FC806FB2F8A}"/>
+                <a16:creationId xmlns:a16="http://schemas.microsoft.com/office/drawing/2014/main" id="{67874183-9169-08FF-B287-8CB1A9B1586D}"/>
               </a:ext>
             </a:extLst>
           </p:cNvPr>
@@ -990,7 +990,7 @@
           <p:cNvPr id="3" name="文本占位符 2">
             <a:extLst>
               <a:ext uri="{FF2B5EF4-FFF2-40B4-BE49-F238E27FC236}">
-                <a16:creationId xmlns:a16="http://schemas.microsoft.com/office/drawing/2014/main" id="{71AD7965-AF18-DECC-2854-61DE37AE8B41}"/>
+                <a16:creationId xmlns:a16="http://schemas.microsoft.com/office/drawing/2014/main" id="{CF27E4C4-F040-D74D-9743-D340CC608CD8}"/>
               </a:ext>
             </a:extLst>
           </p:cNvPr>
@@ -1115,7 +1115,7 @@
           <p:cNvPr id="4" name="日期占位符 3">
             <a:extLst>
               <a:ext uri="{FF2B5EF4-FFF2-40B4-BE49-F238E27FC236}">
-                <a16:creationId xmlns:a16="http://schemas.microsoft.com/office/drawing/2014/main" id="{7172F8D4-9FA1-5432-0984-722663CBE404}"/>
+                <a16:creationId xmlns:a16="http://schemas.microsoft.com/office/drawing/2014/main" id="{36FF8E36-C668-0AE2-CA7C-AD61D6183B39}"/>
               </a:ext>
             </a:extLst>
           </p:cNvPr>
@@ -1131,7 +1131,7 @@
           <a:bodyPr/>
           <a:lstStyle/>
           <a:p>
-            <a:fld id="{49D37584-741B-49C8-B77B-5DF05F9C12F3}" type="datetimeFigureOut">
+            <a:fld id="{E74788FF-4DA5-406F-9266-FD56484BD586}" type="datetimeFigureOut">
               <a:rPr lang="zh-CN" altLang="en-US" smtClean="0"/>
               <a:t>2024/3/10</a:t>
             </a:fld>
@@ -1144,7 +1144,7 @@
           <p:cNvPr id="5" name="页脚占位符 4">
             <a:extLst>
               <a:ext uri="{FF2B5EF4-FFF2-40B4-BE49-F238E27FC236}">
-                <a16:creationId xmlns:a16="http://schemas.microsoft.com/office/drawing/2014/main" id="{F054C6E3-EB38-D455-9E63-86C9CFFA1ED3}"/>
+                <a16:creationId xmlns:a16="http://schemas.microsoft.com/office/drawing/2014/main" id="{ACCCFEC2-85B4-D5F4-E794-2038F4E783EC}"/>
               </a:ext>
             </a:extLst>
           </p:cNvPr>
@@ -1169,7 +1169,7 @@
           <p:cNvPr id="6" name="灯片编号占位符 5">
             <a:extLst>
               <a:ext uri="{FF2B5EF4-FFF2-40B4-BE49-F238E27FC236}">
-                <a16:creationId xmlns:a16="http://schemas.microsoft.com/office/drawing/2014/main" id="{77A23BF5-7807-8CEB-62AB-8AAC3E476C84}"/>
+                <a16:creationId xmlns:a16="http://schemas.microsoft.com/office/drawing/2014/main" id="{34823A56-1077-F05B-9FEC-19711AE6989F}"/>
               </a:ext>
             </a:extLst>
           </p:cNvPr>
@@ -1185,7 +1185,7 @@
           <a:bodyPr/>
           <a:lstStyle/>
           <a:p>
-            <a:fld id="{BFA1C3C5-F9C0-488F-BFA9-2D79DABFA7C6}" type="slidenum">
+            <a:fld id="{65BDC682-14F5-4ABF-B36B-CF4A9D21EB37}" type="slidenum">
               <a:rPr lang="zh-CN" altLang="en-US" smtClean="0"/>
               <a:t>‹#›</a:t>
             </a:fld>
@@ -1196,7 +1196,7 @@
     </p:spTree>
     <p:extLst>
       <p:ext uri="{BB962C8B-B14F-4D97-AF65-F5344CB8AC3E}">
-        <p14:creationId xmlns:p14="http://schemas.microsoft.com/office/powerpoint/2010/main" val="1115820833"/>
+        <p14:creationId xmlns:p14="http://schemas.microsoft.com/office/powerpoint/2010/main" val="3929801932"/>
       </p:ext>
     </p:extLst>
   </p:cSld>
@@ -1228,7 +1228,7 @@
           <p:cNvPr id="2" name="标题 1">
             <a:extLst>
               <a:ext uri="{FF2B5EF4-FFF2-40B4-BE49-F238E27FC236}">
-                <a16:creationId xmlns:a16="http://schemas.microsoft.com/office/drawing/2014/main" id="{C2488E2A-3C68-B3A6-883D-1108C7BE373E}"/>
+                <a16:creationId xmlns:a16="http://schemas.microsoft.com/office/drawing/2014/main" id="{6335F161-0864-CBE4-EA34-8B8EB6658537}"/>
               </a:ext>
             </a:extLst>
           </p:cNvPr>
@@ -1256,7 +1256,7 @@
           <p:cNvPr id="3" name="内容占位符 2">
             <a:extLst>
               <a:ext uri="{FF2B5EF4-FFF2-40B4-BE49-F238E27FC236}">
-                <a16:creationId xmlns:a16="http://schemas.microsoft.com/office/drawing/2014/main" id="{28A6B307-3394-FA20-D68F-F197F01E37A5}"/>
+                <a16:creationId xmlns:a16="http://schemas.microsoft.com/office/drawing/2014/main" id="{180D29D1-E7AB-C26B-F1E5-3B43649CE064}"/>
               </a:ext>
             </a:extLst>
           </p:cNvPr>
@@ -1318,7 +1318,7 @@
           <p:cNvPr id="4" name="内容占位符 3">
             <a:extLst>
               <a:ext uri="{FF2B5EF4-FFF2-40B4-BE49-F238E27FC236}">
-                <a16:creationId xmlns:a16="http://schemas.microsoft.com/office/drawing/2014/main" id="{4F2D70BD-9537-9E5B-7F1B-EA885F1BB970}"/>
+                <a16:creationId xmlns:a16="http://schemas.microsoft.com/office/drawing/2014/main" id="{BC42B4B4-F583-4F76-7585-E472AF0E1BDA}"/>
               </a:ext>
             </a:extLst>
           </p:cNvPr>
@@ -1380,7 +1380,7 @@
           <p:cNvPr id="5" name="日期占位符 4">
             <a:extLst>
               <a:ext uri="{FF2B5EF4-FFF2-40B4-BE49-F238E27FC236}">
-                <a16:creationId xmlns:a16="http://schemas.microsoft.com/office/drawing/2014/main" id="{5464848D-6066-6675-E7F4-3AB36B1A9AB9}"/>
+                <a16:creationId xmlns:a16="http://schemas.microsoft.com/office/drawing/2014/main" id="{0CB14E53-2A64-396F-FD18-3D425FC103CA}"/>
               </a:ext>
             </a:extLst>
           </p:cNvPr>
@@ -1396,7 +1396,7 @@
           <a:bodyPr/>
           <a:lstStyle/>
           <a:p>
-            <a:fld id="{49D37584-741B-49C8-B77B-5DF05F9C12F3}" type="datetimeFigureOut">
+            <a:fld id="{E74788FF-4DA5-406F-9266-FD56484BD586}" type="datetimeFigureOut">
               <a:rPr lang="zh-CN" altLang="en-US" smtClean="0"/>
               <a:t>2024/3/10</a:t>
             </a:fld>
@@ -1409,7 +1409,7 @@
           <p:cNvPr id="6" name="页脚占位符 5">
             <a:extLst>
               <a:ext uri="{FF2B5EF4-FFF2-40B4-BE49-F238E27FC236}">
-                <a16:creationId xmlns:a16="http://schemas.microsoft.com/office/drawing/2014/main" id="{14F331A9-66CF-9DAE-001F-BDC663CF09C7}"/>
+                <a16:creationId xmlns:a16="http://schemas.microsoft.com/office/drawing/2014/main" id="{8D411CB3-3480-A1F7-FC92-0BC4707E5B4F}"/>
               </a:ext>
             </a:extLst>
           </p:cNvPr>
@@ -1434,7 +1434,7 @@
           <p:cNvPr id="7" name="灯片编号占位符 6">
             <a:extLst>
               <a:ext uri="{FF2B5EF4-FFF2-40B4-BE49-F238E27FC236}">
-                <a16:creationId xmlns:a16="http://schemas.microsoft.com/office/drawing/2014/main" id="{3D2F1450-ECA3-C6B8-AE08-7DE2E75B5D5F}"/>
+                <a16:creationId xmlns:a16="http://schemas.microsoft.com/office/drawing/2014/main" id="{7F613A22-FC7B-B58A-7930-3162E5D882AF}"/>
               </a:ext>
             </a:extLst>
           </p:cNvPr>
@@ -1450,7 +1450,7 @@
           <a:bodyPr/>
           <a:lstStyle/>
           <a:p>
-            <a:fld id="{BFA1C3C5-F9C0-488F-BFA9-2D79DABFA7C6}" type="slidenum">
+            <a:fld id="{65BDC682-14F5-4ABF-B36B-CF4A9D21EB37}" type="slidenum">
               <a:rPr lang="zh-CN" altLang="en-US" smtClean="0"/>
               <a:t>‹#›</a:t>
             </a:fld>
@@ -1461,7 +1461,7 @@
     </p:spTree>
     <p:extLst>
       <p:ext uri="{BB962C8B-B14F-4D97-AF65-F5344CB8AC3E}">
-        <p14:creationId xmlns:p14="http://schemas.microsoft.com/office/powerpoint/2010/main" val="2025640176"/>
+        <p14:creationId xmlns:p14="http://schemas.microsoft.com/office/powerpoint/2010/main" val="3446239227"/>
       </p:ext>
     </p:extLst>
   </p:cSld>
@@ -1493,7 +1493,7 @@
           <p:cNvPr id="2" name="标题 1">
             <a:extLst>
               <a:ext uri="{FF2B5EF4-FFF2-40B4-BE49-F238E27FC236}">
-                <a16:creationId xmlns:a16="http://schemas.microsoft.com/office/drawing/2014/main" id="{11FA6D83-57AD-B458-619A-698F0A8CCDA3}"/>
+                <a16:creationId xmlns:a16="http://schemas.microsoft.com/office/drawing/2014/main" id="{26218041-DA6C-E0AB-E884-DBAEDD3E2937}"/>
               </a:ext>
             </a:extLst>
           </p:cNvPr>
@@ -1526,7 +1526,7 @@
           <p:cNvPr id="3" name="文本占位符 2">
             <a:extLst>
               <a:ext uri="{FF2B5EF4-FFF2-40B4-BE49-F238E27FC236}">
-                <a16:creationId xmlns:a16="http://schemas.microsoft.com/office/drawing/2014/main" id="{F86192C3-9328-5824-A0F6-A4426FC748DF}"/>
+                <a16:creationId xmlns:a16="http://schemas.microsoft.com/office/drawing/2014/main" id="{CD633CF4-0670-BCEC-E85A-F2DBEC533C29}"/>
               </a:ext>
             </a:extLst>
           </p:cNvPr>
@@ -1597,7 +1597,7 @@
           <p:cNvPr id="4" name="内容占位符 3">
             <a:extLst>
               <a:ext uri="{FF2B5EF4-FFF2-40B4-BE49-F238E27FC236}">
-                <a16:creationId xmlns:a16="http://schemas.microsoft.com/office/drawing/2014/main" id="{0680DBA5-A2FE-67A8-28F4-73A4441A1CEA}"/>
+                <a16:creationId xmlns:a16="http://schemas.microsoft.com/office/drawing/2014/main" id="{AE84227F-468E-3C91-89E3-44A982D849DB}"/>
               </a:ext>
             </a:extLst>
           </p:cNvPr>
@@ -1659,7 +1659,7 @@
           <p:cNvPr id="5" name="文本占位符 4">
             <a:extLst>
               <a:ext uri="{FF2B5EF4-FFF2-40B4-BE49-F238E27FC236}">
-                <a16:creationId xmlns:a16="http://schemas.microsoft.com/office/drawing/2014/main" id="{E7DA56AC-12C2-8023-2BFF-9B7EAEADADBA}"/>
+                <a16:creationId xmlns:a16="http://schemas.microsoft.com/office/drawing/2014/main" id="{2F3AA4AB-CCA7-1395-771B-137BA5655E46}"/>
               </a:ext>
             </a:extLst>
           </p:cNvPr>
@@ -1730,7 +1730,7 @@
           <p:cNvPr id="6" name="内容占位符 5">
             <a:extLst>
               <a:ext uri="{FF2B5EF4-FFF2-40B4-BE49-F238E27FC236}">
-                <a16:creationId xmlns:a16="http://schemas.microsoft.com/office/drawing/2014/main" id="{CB86A34B-DBAC-95CE-B30A-B96F9DE863FA}"/>
+                <a16:creationId xmlns:a16="http://schemas.microsoft.com/office/drawing/2014/main" id="{5435BF18-1213-E6AB-4557-A7BBA8403D4C}"/>
               </a:ext>
             </a:extLst>
           </p:cNvPr>
@@ -1792,7 +1792,7 @@
           <p:cNvPr id="7" name="日期占位符 6">
             <a:extLst>
               <a:ext uri="{FF2B5EF4-FFF2-40B4-BE49-F238E27FC236}">
-                <a16:creationId xmlns:a16="http://schemas.microsoft.com/office/drawing/2014/main" id="{0C81E4F6-B3F9-DEC7-9537-492F8D2B54C7}"/>
+                <a16:creationId xmlns:a16="http://schemas.microsoft.com/office/drawing/2014/main" id="{488130DE-E7C9-EB67-E752-CE46BFD9F0CC}"/>
               </a:ext>
             </a:extLst>
           </p:cNvPr>
@@ -1808,7 +1808,7 @@
           <a:bodyPr/>
           <a:lstStyle/>
           <a:p>
-            <a:fld id="{49D37584-741B-49C8-B77B-5DF05F9C12F3}" type="datetimeFigureOut">
+            <a:fld id="{E74788FF-4DA5-406F-9266-FD56484BD586}" type="datetimeFigureOut">
               <a:rPr lang="zh-CN" altLang="en-US" smtClean="0"/>
               <a:t>2024/3/10</a:t>
             </a:fld>
@@ -1821,7 +1821,7 @@
           <p:cNvPr id="8" name="页脚占位符 7">
             <a:extLst>
               <a:ext uri="{FF2B5EF4-FFF2-40B4-BE49-F238E27FC236}">
-                <a16:creationId xmlns:a16="http://schemas.microsoft.com/office/drawing/2014/main" id="{7D3193BF-1879-8A87-A4F8-922BCBAE5A4A}"/>
+                <a16:creationId xmlns:a16="http://schemas.microsoft.com/office/drawing/2014/main" id="{30C55C24-D2DA-FAD1-A717-9DFB4A875FEE}"/>
               </a:ext>
             </a:extLst>
           </p:cNvPr>
@@ -1846,7 +1846,7 @@
           <p:cNvPr id="9" name="灯片编号占位符 8">
             <a:extLst>
               <a:ext uri="{FF2B5EF4-FFF2-40B4-BE49-F238E27FC236}">
-                <a16:creationId xmlns:a16="http://schemas.microsoft.com/office/drawing/2014/main" id="{2FAD243A-98EE-C9EE-E240-4379E18229CC}"/>
+                <a16:creationId xmlns:a16="http://schemas.microsoft.com/office/drawing/2014/main" id="{59123B14-CE8E-35E9-28E3-2198D87033F4}"/>
               </a:ext>
             </a:extLst>
           </p:cNvPr>
@@ -1862,7 +1862,7 @@
           <a:bodyPr/>
           <a:lstStyle/>
           <a:p>
-            <a:fld id="{BFA1C3C5-F9C0-488F-BFA9-2D79DABFA7C6}" type="slidenum">
+            <a:fld id="{65BDC682-14F5-4ABF-B36B-CF4A9D21EB37}" type="slidenum">
               <a:rPr lang="zh-CN" altLang="en-US" smtClean="0"/>
               <a:t>‹#›</a:t>
             </a:fld>
@@ -1873,7 +1873,7 @@
     </p:spTree>
     <p:extLst>
       <p:ext uri="{BB962C8B-B14F-4D97-AF65-F5344CB8AC3E}">
-        <p14:creationId xmlns:p14="http://schemas.microsoft.com/office/powerpoint/2010/main" val="3890800082"/>
+        <p14:creationId xmlns:p14="http://schemas.microsoft.com/office/powerpoint/2010/main" val="2756797573"/>
       </p:ext>
     </p:extLst>
   </p:cSld>
@@ -1905,7 +1905,7 @@
           <p:cNvPr id="2" name="标题 1">
             <a:extLst>
               <a:ext uri="{FF2B5EF4-FFF2-40B4-BE49-F238E27FC236}">
-                <a16:creationId xmlns:a16="http://schemas.microsoft.com/office/drawing/2014/main" id="{7A55CE1A-E569-680F-007C-E7DCBDFC3BD7}"/>
+                <a16:creationId xmlns:a16="http://schemas.microsoft.com/office/drawing/2014/main" id="{73A95648-4410-8839-CA03-C9EC814974E8}"/>
               </a:ext>
             </a:extLst>
           </p:cNvPr>
@@ -1933,7 +1933,7 @@
           <p:cNvPr id="3" name="日期占位符 2">
             <a:extLst>
               <a:ext uri="{FF2B5EF4-FFF2-40B4-BE49-F238E27FC236}">
-                <a16:creationId xmlns:a16="http://schemas.microsoft.com/office/drawing/2014/main" id="{DF180618-108E-F91E-91F2-365F77EA2F07}"/>
+                <a16:creationId xmlns:a16="http://schemas.microsoft.com/office/drawing/2014/main" id="{8B681C7D-D90D-D4DE-9936-721BA812971E}"/>
               </a:ext>
             </a:extLst>
           </p:cNvPr>
@@ -1949,7 +1949,7 @@
           <a:bodyPr/>
           <a:lstStyle/>
           <a:p>
-            <a:fld id="{49D37584-741B-49C8-B77B-5DF05F9C12F3}" type="datetimeFigureOut">
+            <a:fld id="{E74788FF-4DA5-406F-9266-FD56484BD586}" type="datetimeFigureOut">
               <a:rPr lang="zh-CN" altLang="en-US" smtClean="0"/>
               <a:t>2024/3/10</a:t>
             </a:fld>
@@ -1962,7 +1962,7 @@
           <p:cNvPr id="4" name="页脚占位符 3">
             <a:extLst>
               <a:ext uri="{FF2B5EF4-FFF2-40B4-BE49-F238E27FC236}">
-                <a16:creationId xmlns:a16="http://schemas.microsoft.com/office/drawing/2014/main" id="{17953E8E-500B-0589-64F6-6222E6C281A1}"/>
+                <a16:creationId xmlns:a16="http://schemas.microsoft.com/office/drawing/2014/main" id="{4896A3E8-3306-C3CB-D7E1-B300D1D180AE}"/>
               </a:ext>
             </a:extLst>
           </p:cNvPr>
@@ -1987,7 +1987,7 @@
           <p:cNvPr id="5" name="灯片编号占位符 4">
             <a:extLst>
               <a:ext uri="{FF2B5EF4-FFF2-40B4-BE49-F238E27FC236}">
-                <a16:creationId xmlns:a16="http://schemas.microsoft.com/office/drawing/2014/main" id="{8F8BEC73-BA72-0CA4-6244-EC165D85A121}"/>
+                <a16:creationId xmlns:a16="http://schemas.microsoft.com/office/drawing/2014/main" id="{21FA6EBA-436A-75FE-1C27-38BCEA60F009}"/>
               </a:ext>
             </a:extLst>
           </p:cNvPr>
@@ -2003,7 +2003,7 @@
           <a:bodyPr/>
           <a:lstStyle/>
           <a:p>
-            <a:fld id="{BFA1C3C5-F9C0-488F-BFA9-2D79DABFA7C6}" type="slidenum">
+            <a:fld id="{65BDC682-14F5-4ABF-B36B-CF4A9D21EB37}" type="slidenum">
               <a:rPr lang="zh-CN" altLang="en-US" smtClean="0"/>
               <a:t>‹#›</a:t>
             </a:fld>
@@ -2014,7 +2014,7 @@
     </p:spTree>
     <p:extLst>
       <p:ext uri="{BB962C8B-B14F-4D97-AF65-F5344CB8AC3E}">
-        <p14:creationId xmlns:p14="http://schemas.microsoft.com/office/powerpoint/2010/main" val="2147535946"/>
+        <p14:creationId xmlns:p14="http://schemas.microsoft.com/office/powerpoint/2010/main" val="987188013"/>
       </p:ext>
     </p:extLst>
   </p:cSld>
@@ -2046,7 +2046,7 @@
           <p:cNvPr id="2" name="日期占位符 1">
             <a:extLst>
               <a:ext uri="{FF2B5EF4-FFF2-40B4-BE49-F238E27FC236}">
-                <a16:creationId xmlns:a16="http://schemas.microsoft.com/office/drawing/2014/main" id="{CD64DDD7-EACA-9DCD-6AF1-A058C6BD32E9}"/>
+                <a16:creationId xmlns:a16="http://schemas.microsoft.com/office/drawing/2014/main" id="{3E359F2F-55DE-9FFC-6A68-11F568945D29}"/>
               </a:ext>
             </a:extLst>
           </p:cNvPr>
@@ -2062,7 +2062,7 @@
           <a:bodyPr/>
           <a:lstStyle/>
           <a:p>
-            <a:fld id="{49D37584-741B-49C8-B77B-5DF05F9C12F3}" type="datetimeFigureOut">
+            <a:fld id="{E74788FF-4DA5-406F-9266-FD56484BD586}" type="datetimeFigureOut">
               <a:rPr lang="zh-CN" altLang="en-US" smtClean="0"/>
               <a:t>2024/3/10</a:t>
             </a:fld>
@@ -2075,7 +2075,7 @@
           <p:cNvPr id="3" name="页脚占位符 2">
             <a:extLst>
               <a:ext uri="{FF2B5EF4-FFF2-40B4-BE49-F238E27FC236}">
-                <a16:creationId xmlns:a16="http://schemas.microsoft.com/office/drawing/2014/main" id="{537EB12A-0F9C-F1AA-1401-1560EF344B2A}"/>
+                <a16:creationId xmlns:a16="http://schemas.microsoft.com/office/drawing/2014/main" id="{FC38C83F-EA2C-49CC-302C-651903989738}"/>
               </a:ext>
             </a:extLst>
           </p:cNvPr>
@@ -2100,7 +2100,7 @@
           <p:cNvPr id="4" name="灯片编号占位符 3">
             <a:extLst>
               <a:ext uri="{FF2B5EF4-FFF2-40B4-BE49-F238E27FC236}">
-                <a16:creationId xmlns:a16="http://schemas.microsoft.com/office/drawing/2014/main" id="{F575EB92-3A68-35ED-7A27-AB6C8A5FBD2E}"/>
+                <a16:creationId xmlns:a16="http://schemas.microsoft.com/office/drawing/2014/main" id="{35F5DB64-6A22-F342-B352-243E6DAADEEC}"/>
               </a:ext>
             </a:extLst>
           </p:cNvPr>
@@ -2116,7 +2116,7 @@
           <a:bodyPr/>
           <a:lstStyle/>
           <a:p>
-            <a:fld id="{BFA1C3C5-F9C0-488F-BFA9-2D79DABFA7C6}" type="slidenum">
+            <a:fld id="{65BDC682-14F5-4ABF-B36B-CF4A9D21EB37}" type="slidenum">
               <a:rPr lang="zh-CN" altLang="en-US" smtClean="0"/>
               <a:t>‹#›</a:t>
             </a:fld>
@@ -2127,7 +2127,7 @@
     </p:spTree>
     <p:extLst>
       <p:ext uri="{BB962C8B-B14F-4D97-AF65-F5344CB8AC3E}">
-        <p14:creationId xmlns:p14="http://schemas.microsoft.com/office/powerpoint/2010/main" val="1401626513"/>
+        <p14:creationId xmlns:p14="http://schemas.microsoft.com/office/powerpoint/2010/main" val="289153840"/>
       </p:ext>
     </p:extLst>
   </p:cSld>
@@ -2159,7 +2159,7 @@
           <p:cNvPr id="2" name="标题 1">
             <a:extLst>
               <a:ext uri="{FF2B5EF4-FFF2-40B4-BE49-F238E27FC236}">
-                <a16:creationId xmlns:a16="http://schemas.microsoft.com/office/drawing/2014/main" id="{F5E63462-4747-E5AF-3006-08A01A189089}"/>
+                <a16:creationId xmlns:a16="http://schemas.microsoft.com/office/drawing/2014/main" id="{830C222A-1677-4C21-126D-0938232DE573}"/>
               </a:ext>
             </a:extLst>
           </p:cNvPr>
@@ -2196,7 +2196,7 @@
           <p:cNvPr id="3" name="内容占位符 2">
             <a:extLst>
               <a:ext uri="{FF2B5EF4-FFF2-40B4-BE49-F238E27FC236}">
-                <a16:creationId xmlns:a16="http://schemas.microsoft.com/office/drawing/2014/main" id="{7830EE7B-818A-7AA0-D1B7-2E391FCC4902}"/>
+                <a16:creationId xmlns:a16="http://schemas.microsoft.com/office/drawing/2014/main" id="{192D3223-13D1-8920-9D9E-16A6B9505814}"/>
               </a:ext>
             </a:extLst>
           </p:cNvPr>
@@ -2286,7 +2286,7 @@
           <p:cNvPr id="4" name="文本占位符 3">
             <a:extLst>
               <a:ext uri="{FF2B5EF4-FFF2-40B4-BE49-F238E27FC236}">
-                <a16:creationId xmlns:a16="http://schemas.microsoft.com/office/drawing/2014/main" id="{95AED81F-EEF3-95A9-562E-F3408D1BD59D}"/>
+                <a16:creationId xmlns:a16="http://schemas.microsoft.com/office/drawing/2014/main" id="{AFCF8876-6516-6D0A-32B5-D5B562130DE8}"/>
               </a:ext>
             </a:extLst>
           </p:cNvPr>
@@ -2357,7 +2357,7 @@
           <p:cNvPr id="5" name="日期占位符 4">
             <a:extLst>
               <a:ext uri="{FF2B5EF4-FFF2-40B4-BE49-F238E27FC236}">
-                <a16:creationId xmlns:a16="http://schemas.microsoft.com/office/drawing/2014/main" id="{A6994BFD-482B-BB3C-D2D3-7E5BC3F16B01}"/>
+                <a16:creationId xmlns:a16="http://schemas.microsoft.com/office/drawing/2014/main" id="{0EA3254D-B6BD-BF47-2A03-14D53E2A7031}"/>
               </a:ext>
             </a:extLst>
           </p:cNvPr>
@@ -2373,7 +2373,7 @@
           <a:bodyPr/>
           <a:lstStyle/>
           <a:p>
-            <a:fld id="{49D37584-741B-49C8-B77B-5DF05F9C12F3}" type="datetimeFigureOut">
+            <a:fld id="{E74788FF-4DA5-406F-9266-FD56484BD586}" type="datetimeFigureOut">
               <a:rPr lang="zh-CN" altLang="en-US" smtClean="0"/>
               <a:t>2024/3/10</a:t>
             </a:fld>
@@ -2386,7 +2386,7 @@
           <p:cNvPr id="6" name="页脚占位符 5">
             <a:extLst>
               <a:ext uri="{FF2B5EF4-FFF2-40B4-BE49-F238E27FC236}">
-                <a16:creationId xmlns:a16="http://schemas.microsoft.com/office/drawing/2014/main" id="{C8E5F156-3930-E461-8794-96F27CAAA0AC}"/>
+                <a16:creationId xmlns:a16="http://schemas.microsoft.com/office/drawing/2014/main" id="{A3FF5252-7262-5D03-77E8-FDBEE132086B}"/>
               </a:ext>
             </a:extLst>
           </p:cNvPr>
@@ -2411,7 +2411,7 @@
           <p:cNvPr id="7" name="灯片编号占位符 6">
             <a:extLst>
               <a:ext uri="{FF2B5EF4-FFF2-40B4-BE49-F238E27FC236}">
-                <a16:creationId xmlns:a16="http://schemas.microsoft.com/office/drawing/2014/main" id="{862143F5-7D3F-BCD2-FEA0-591988CBFDBF}"/>
+                <a16:creationId xmlns:a16="http://schemas.microsoft.com/office/drawing/2014/main" id="{C6A98586-376F-3D17-DA32-D95B6FF845B5}"/>
               </a:ext>
             </a:extLst>
           </p:cNvPr>
@@ -2427,7 +2427,7 @@
           <a:bodyPr/>
           <a:lstStyle/>
           <a:p>
-            <a:fld id="{BFA1C3C5-F9C0-488F-BFA9-2D79DABFA7C6}" type="slidenum">
+            <a:fld id="{65BDC682-14F5-4ABF-B36B-CF4A9D21EB37}" type="slidenum">
               <a:rPr lang="zh-CN" altLang="en-US" smtClean="0"/>
               <a:t>‹#›</a:t>
             </a:fld>
@@ -2438,7 +2438,7 @@
     </p:spTree>
     <p:extLst>
       <p:ext uri="{BB962C8B-B14F-4D97-AF65-F5344CB8AC3E}">
-        <p14:creationId xmlns:p14="http://schemas.microsoft.com/office/powerpoint/2010/main" val="984602185"/>
+        <p14:creationId xmlns:p14="http://schemas.microsoft.com/office/powerpoint/2010/main" val="934419057"/>
       </p:ext>
     </p:extLst>
   </p:cSld>
@@ -2470,7 +2470,7 @@
           <p:cNvPr id="2" name="标题 1">
             <a:extLst>
               <a:ext uri="{FF2B5EF4-FFF2-40B4-BE49-F238E27FC236}">
-                <a16:creationId xmlns:a16="http://schemas.microsoft.com/office/drawing/2014/main" id="{044B9AAD-5A9D-AB5B-5D82-47B14385C524}"/>
+                <a16:creationId xmlns:a16="http://schemas.microsoft.com/office/drawing/2014/main" id="{00AE1CB5-66FE-24FE-E01C-7694A601729A}"/>
               </a:ext>
             </a:extLst>
           </p:cNvPr>
@@ -2507,7 +2507,7 @@
           <p:cNvPr id="3" name="图片占位符 2">
             <a:extLst>
               <a:ext uri="{FF2B5EF4-FFF2-40B4-BE49-F238E27FC236}">
-                <a16:creationId xmlns:a16="http://schemas.microsoft.com/office/drawing/2014/main" id="{171351AC-A5C4-440E-0A83-2A463AD999C6}"/>
+                <a16:creationId xmlns:a16="http://schemas.microsoft.com/office/drawing/2014/main" id="{2ECEC88D-C472-000F-5181-D393E906A9A5}"/>
               </a:ext>
             </a:extLst>
           </p:cNvPr>
@@ -2574,7 +2574,7 @@
           <p:cNvPr id="4" name="文本占位符 3">
             <a:extLst>
               <a:ext uri="{FF2B5EF4-FFF2-40B4-BE49-F238E27FC236}">
-                <a16:creationId xmlns:a16="http://schemas.microsoft.com/office/drawing/2014/main" id="{B441A227-C0AE-F2AF-8EE6-E7BB911C23D7}"/>
+                <a16:creationId xmlns:a16="http://schemas.microsoft.com/office/drawing/2014/main" id="{1B5B1441-0FE0-1BD4-8E75-494840244FA3}"/>
               </a:ext>
             </a:extLst>
           </p:cNvPr>
@@ -2645,7 +2645,7 @@
           <p:cNvPr id="5" name="日期占位符 4">
             <a:extLst>
               <a:ext uri="{FF2B5EF4-FFF2-40B4-BE49-F238E27FC236}">
-                <a16:creationId xmlns:a16="http://schemas.microsoft.com/office/drawing/2014/main" id="{E703047C-8DFB-0C8D-E735-3CEF0128682F}"/>
+                <a16:creationId xmlns:a16="http://schemas.microsoft.com/office/drawing/2014/main" id="{7FDD7A5E-F1AD-14BF-3968-6F0A992AF94C}"/>
               </a:ext>
             </a:extLst>
           </p:cNvPr>
@@ -2661,7 +2661,7 @@
           <a:bodyPr/>
           <a:lstStyle/>
           <a:p>
-            <a:fld id="{49D37584-741B-49C8-B77B-5DF05F9C12F3}" type="datetimeFigureOut">
+            <a:fld id="{E74788FF-4DA5-406F-9266-FD56484BD586}" type="datetimeFigureOut">
               <a:rPr lang="zh-CN" altLang="en-US" smtClean="0"/>
               <a:t>2024/3/10</a:t>
             </a:fld>
@@ -2674,7 +2674,7 @@
           <p:cNvPr id="6" name="页脚占位符 5">
             <a:extLst>
               <a:ext uri="{FF2B5EF4-FFF2-40B4-BE49-F238E27FC236}">
-                <a16:creationId xmlns:a16="http://schemas.microsoft.com/office/drawing/2014/main" id="{98C576F1-D71D-FB25-0129-F1991B74C5AB}"/>
+                <a16:creationId xmlns:a16="http://schemas.microsoft.com/office/drawing/2014/main" id="{2247CA79-6EC9-50C5-9379-C69497658B92}"/>
               </a:ext>
             </a:extLst>
           </p:cNvPr>
@@ -2699,7 +2699,7 @@
           <p:cNvPr id="7" name="灯片编号占位符 6">
             <a:extLst>
               <a:ext uri="{FF2B5EF4-FFF2-40B4-BE49-F238E27FC236}">
-                <a16:creationId xmlns:a16="http://schemas.microsoft.com/office/drawing/2014/main" id="{475F729F-7E26-5B38-EFAC-65138EAE8030}"/>
+                <a16:creationId xmlns:a16="http://schemas.microsoft.com/office/drawing/2014/main" id="{BF3AE39D-BA33-2335-069A-C2F991E13277}"/>
               </a:ext>
             </a:extLst>
           </p:cNvPr>
@@ -2715,7 +2715,7 @@
           <a:bodyPr/>
           <a:lstStyle/>
           <a:p>
-            <a:fld id="{BFA1C3C5-F9C0-488F-BFA9-2D79DABFA7C6}" type="slidenum">
+            <a:fld id="{65BDC682-14F5-4ABF-B36B-CF4A9D21EB37}" type="slidenum">
               <a:rPr lang="zh-CN" altLang="en-US" smtClean="0"/>
               <a:t>‹#›</a:t>
             </a:fld>
@@ -2726,7 +2726,7 @@
     </p:spTree>
     <p:extLst>
       <p:ext uri="{BB962C8B-B14F-4D97-AF65-F5344CB8AC3E}">
-        <p14:creationId xmlns:p14="http://schemas.microsoft.com/office/powerpoint/2010/main" val="3755075145"/>
+        <p14:creationId xmlns:p14="http://schemas.microsoft.com/office/powerpoint/2010/main" val="160792382"/>
       </p:ext>
     </p:extLst>
   </p:cSld>
@@ -2763,7 +2763,7 @@
           <p:cNvPr id="2" name="标题占位符 1">
             <a:extLst>
               <a:ext uri="{FF2B5EF4-FFF2-40B4-BE49-F238E27FC236}">
-                <a16:creationId xmlns:a16="http://schemas.microsoft.com/office/drawing/2014/main" id="{0F27243E-987A-378E-DF66-23A783DEF77E}"/>
+                <a16:creationId xmlns:a16="http://schemas.microsoft.com/office/drawing/2014/main" id="{04288D17-A164-7B89-991E-6AE2C90A269C}"/>
               </a:ext>
             </a:extLst>
           </p:cNvPr>
@@ -2801,7 +2801,7 @@
           <p:cNvPr id="3" name="文本占位符 2">
             <a:extLst>
               <a:ext uri="{FF2B5EF4-FFF2-40B4-BE49-F238E27FC236}">
-                <a16:creationId xmlns:a16="http://schemas.microsoft.com/office/drawing/2014/main" id="{63BEAA0E-7A34-D3A4-8A0E-A114E73CBC9B}"/>
+                <a16:creationId xmlns:a16="http://schemas.microsoft.com/office/drawing/2014/main" id="{DAF663EC-6B7A-0581-3A88-5D434B073943}"/>
               </a:ext>
             </a:extLst>
           </p:cNvPr>
@@ -2868,7 +2868,7 @@
           <p:cNvPr id="4" name="日期占位符 3">
             <a:extLst>
               <a:ext uri="{FF2B5EF4-FFF2-40B4-BE49-F238E27FC236}">
-                <a16:creationId xmlns:a16="http://schemas.microsoft.com/office/drawing/2014/main" id="{7DEA3E1B-E3C5-F3F8-7CA5-767071B5682D}"/>
+                <a16:creationId xmlns:a16="http://schemas.microsoft.com/office/drawing/2014/main" id="{98AD0980-542A-ED1C-B070-4833B8063705}"/>
               </a:ext>
             </a:extLst>
           </p:cNvPr>
@@ -2902,7 +2902,7 @@
             </a:lvl1pPr>
           </a:lstStyle>
           <a:p>
-            <a:fld id="{49D37584-741B-49C8-B77B-5DF05F9C12F3}" type="datetimeFigureOut">
+            <a:fld id="{E74788FF-4DA5-406F-9266-FD56484BD586}" type="datetimeFigureOut">
               <a:rPr lang="zh-CN" altLang="en-US" smtClean="0"/>
               <a:t>2024/3/10</a:t>
             </a:fld>
@@ -2915,7 +2915,7 @@
           <p:cNvPr id="5" name="页脚占位符 4">
             <a:extLst>
               <a:ext uri="{FF2B5EF4-FFF2-40B4-BE49-F238E27FC236}">
-                <a16:creationId xmlns:a16="http://schemas.microsoft.com/office/drawing/2014/main" id="{AB1C782C-306C-63EF-4E6F-B925541D439D}"/>
+                <a16:creationId xmlns:a16="http://schemas.microsoft.com/office/drawing/2014/main" id="{3A25A4C7-08E7-81B1-1555-6A17D079FF02}"/>
               </a:ext>
             </a:extLst>
           </p:cNvPr>
@@ -2958,7 +2958,7 @@
           <p:cNvPr id="6" name="灯片编号占位符 5">
             <a:extLst>
               <a:ext uri="{FF2B5EF4-FFF2-40B4-BE49-F238E27FC236}">
-                <a16:creationId xmlns:a16="http://schemas.microsoft.com/office/drawing/2014/main" id="{3135D060-4157-7AB9-7C06-5EB01C0EB7C7}"/>
+                <a16:creationId xmlns:a16="http://schemas.microsoft.com/office/drawing/2014/main" id="{524A0F4F-5433-E765-D7EA-4C2A06D8D147}"/>
               </a:ext>
             </a:extLst>
           </p:cNvPr>
@@ -2992,7 +2992,7 @@
             </a:lvl1pPr>
           </a:lstStyle>
           <a:p>
-            <a:fld id="{BFA1C3C5-F9C0-488F-BFA9-2D79DABFA7C6}" type="slidenum">
+            <a:fld id="{65BDC682-14F5-4ABF-B36B-CF4A9D21EB37}" type="slidenum">
               <a:rPr lang="zh-CN" altLang="en-US" smtClean="0"/>
               <a:t>‹#›</a:t>
             </a:fld>
@@ -3003,7 +3003,7 @@
     </p:spTree>
     <p:extLst>
       <p:ext uri="{BB962C8B-B14F-4D97-AF65-F5344CB8AC3E}">
-        <p14:creationId xmlns:p14="http://schemas.microsoft.com/office/powerpoint/2010/main" val="3442993647"/>
+        <p14:creationId xmlns:p14="http://schemas.microsoft.com/office/powerpoint/2010/main" val="2016293729"/>
       </p:ext>
     </p:extLst>
   </p:cSld>
@@ -3323,7 +3323,7 @@
       </p:grpSpPr>
       <p:pic>
         <p:nvPicPr>
-          <p:cNvPr id="1374210" name="Picture 2" descr="1341"/>
+          <p:cNvPr id="1375234" name="Picture 2" descr="1342"/>
           <p:cNvPicPr>
             <a:picLocks noChangeAspect="1" noChangeArrowheads="1"/>
           </p:cNvPicPr>
@@ -3344,8 +3344,8 @@
         </p:blipFill>
         <p:spPr bwMode="auto">
           <a:xfrm>
-            <a:off x="1524000" y="0"/>
-            <a:ext cx="9144000" cy="6858000"/>
+            <a:off x="1524000" y="1"/>
+            <a:ext cx="9144000" cy="5445125"/>
           </a:xfrm>
           <a:prstGeom prst="rect">
             <a:avLst/>
@@ -3375,158 +3375,11 @@
           </a:extLst>
         </p:spPr>
       </p:pic>
-      <p:pic>
-        <p:nvPicPr>
-          <p:cNvPr id="1375235" name="Picture 3" descr="1341-2"/>
-          <p:cNvPicPr>
-            <a:picLocks noChangeAspect="1" noChangeArrowheads="1"/>
-          </p:cNvPicPr>
-          <p:nvPr/>
-        </p:nvPicPr>
-        <p:blipFill>
-          <a:blip r:embed="rId3">
-            <a:extLst>
-              <a:ext uri="{28A0092B-C50C-407E-A947-70E740481C1C}">
-                <a14:useLocalDpi xmlns:a14="http://schemas.microsoft.com/office/drawing/2010/main" val="0"/>
-              </a:ext>
-            </a:extLst>
-          </a:blip>
-          <a:srcRect/>
-          <a:stretch>
-            <a:fillRect/>
-          </a:stretch>
-        </p:blipFill>
-        <p:spPr bwMode="auto">
-          <a:xfrm>
-            <a:off x="1560513" y="0"/>
-            <a:ext cx="9144000" cy="6858000"/>
-          </a:xfrm>
-          <a:prstGeom prst="rect">
-            <a:avLst/>
-          </a:prstGeom>
-          <a:noFill/>
-          <a:ln>
-            <a:noFill/>
-          </a:ln>
-          <a:effectLst/>
-          <a:extLst>
-            <a:ext uri="{909E8E84-426E-40DD-AFC4-6F175D3DCCD1}">
-              <a14:hiddenFill xmlns:a14="http://schemas.microsoft.com/office/drawing/2010/main">
-                <a:solidFill>
-                  <a:srgbClr val="FFFFFF"/>
-                </a:solidFill>
-              </a14:hiddenFill>
-            </a:ext>
-            <a:ext uri="{91240B29-F687-4F45-9708-019B960494DF}">
-              <a14:hiddenLine xmlns:a14="http://schemas.microsoft.com/office/drawing/2010/main" w="9525">
-                <a:solidFill>
-                  <a:srgbClr val="000000"/>
-                </a:solidFill>
-                <a:miter lim="800000"/>
-                <a:headEnd/>
-                <a:tailEnd/>
-              </a14:hiddenLine>
-            </a:ext>
-            <a:ext uri="{AF507438-7753-43E0-B8FC-AC1667EBCBE1}">
-              <a14:hiddenEffects xmlns:a14="http://schemas.microsoft.com/office/drawing/2010/main">
-                <a:effectLst>
-                  <a:outerShdw dist="35921" dir="2700000" algn="ctr" rotWithShape="0">
-                    <a:srgbClr val="808080"/>
-                  </a:outerShdw>
-                </a:effectLst>
-              </a14:hiddenEffects>
-            </a:ext>
-          </a:extLst>
-        </p:spPr>
-      </p:pic>
     </p:spTree>
   </p:cSld>
   <p:clrMapOvr>
     <a:masterClrMapping/>
   </p:clrMapOvr>
-  <p:timing>
-    <p:tnLst>
-      <p:par>
-        <p:cTn id="1" dur="indefinite" restart="never" nodeType="tmRoot">
-          <p:childTnLst>
-            <p:seq concurrent="1" nextAc="seek">
-              <p:cTn id="2" dur="indefinite" nodeType="mainSeq">
-                <p:childTnLst>
-                  <p:par>
-                    <p:cTn id="3" fill="hold" nodeType="clickPar">
-                      <p:stCondLst>
-                        <p:cond delay="indefinite"/>
-                      </p:stCondLst>
-                      <p:childTnLst>
-                        <p:par>
-                          <p:cTn id="4" fill="hold" nodeType="withGroup">
-                            <p:stCondLst>
-                              <p:cond delay="0"/>
-                            </p:stCondLst>
-                            <p:childTnLst>
-                              <p:par>
-                                <p:cTn id="5" presetID="10" presetClass="entr" presetSubtype="0" fill="hold" nodeType="clickEffect">
-                                  <p:stCondLst>
-                                    <p:cond delay="0"/>
-                                  </p:stCondLst>
-                                  <p:childTnLst>
-                                    <p:set>
-                                      <p:cBhvr>
-                                        <p:cTn id="6" dur="1" fill="hold">
-                                          <p:stCondLst>
-                                            <p:cond delay="0"/>
-                                          </p:stCondLst>
-                                        </p:cTn>
-                                        <p:tgtEl>
-                                          <p:spTgt spid="1375235"/>
-                                        </p:tgtEl>
-                                        <p:attrNameLst>
-                                          <p:attrName>style.visibility</p:attrName>
-                                        </p:attrNameLst>
-                                      </p:cBhvr>
-                                      <p:to>
-                                        <p:strVal val="visible"/>
-                                      </p:to>
-                                    </p:set>
-                                    <p:animEffect transition="in" filter="fade">
-                                      <p:cBhvr>
-                                        <p:cTn id="7" dur="500"/>
-                                        <p:tgtEl>
-                                          <p:spTgt spid="1375235"/>
-                                        </p:tgtEl>
-                                      </p:cBhvr>
-                                    </p:animEffect>
-                                  </p:childTnLst>
-                                </p:cTn>
-                              </p:par>
-                            </p:childTnLst>
-                          </p:cTn>
-                        </p:par>
-                      </p:childTnLst>
-                    </p:cTn>
-                  </p:par>
-                </p:childTnLst>
-              </p:cTn>
-              <p:prevCondLst>
-                <p:cond evt="onPrev" delay="0">
-                  <p:tgtEl>
-                    <p:sldTgt/>
-                  </p:tgtEl>
-                </p:cond>
-              </p:prevCondLst>
-              <p:nextCondLst>
-                <p:cond evt="onNext" delay="0">
-                  <p:tgtEl>
-                    <p:sldTgt/>
-                  </p:tgtEl>
-                </p:cond>
-              </p:nextCondLst>
-            </p:seq>
-          </p:childTnLst>
-        </p:cTn>
-      </p:par>
-    </p:tnLst>
-  </p:timing>
 </p:sld>
 </file>
 
